--- a/series2/week1/AI_Week1.pptx
+++ b/series2/week1/AI_Week1.pptx
@@ -4672,7 +4672,7 @@
             <a:pPr algn="ctr"/>
             <a:r>
               <a:rPr lang="en-US" sz="1400" dirty="0" smtClean="0"/>
-              <a:t>EVOLUTION</a:t>
+              <a:t>EVALUATION</a:t>
             </a:r>
             <a:endParaRPr lang="en-US" sz="1400" dirty="0"/>
           </a:p>
@@ -5111,9 +5111,10 @@
           <a:p>
             <a:pPr algn="ctr"/>
             <a:r>
-              <a:rPr lang="en-US" sz="3200" b="1" dirty="0"/>
-              <a:t>Gathering of Data</a:t>
-            </a:r>
+              <a:rPr lang="en-US" sz="3200" b="1" dirty="0" smtClean="0"/>
+              <a:t>Collection of Data</a:t>
+            </a:r>
+            <a:endParaRPr lang="en-US" sz="3200" b="1" dirty="0"/>
           </a:p>
         </p:txBody>
       </p:sp>
@@ -5310,8 +5311,13 @@
             <a:pPr algn="ctr"/>
             <a:r>
               <a:rPr lang="en-US" sz="3200" b="1" dirty="0"/>
-              <a:t>Data preparation</a:t>
-            </a:r>
+              <a:t>Data </a:t>
+            </a:r>
+            <a:r>
+              <a:rPr lang="en-US" sz="3200" b="1" dirty="0" smtClean="0"/>
+              <a:t>Preparation</a:t>
+            </a:r>
+            <a:endParaRPr lang="en-US" sz="3200" b="1" dirty="0"/>
           </a:p>
         </p:txBody>
       </p:sp>

--- a/series2/week1/AI_Week1.pptx
+++ b/series2/week1/AI_Week1.pptx
@@ -4441,297 +4441,14 @@
       </p:sp>
       <p:sp>
         <p:nvSpPr>
-          <p:cNvPr id="3" name="Content Placeholder 2"/>
-          <p:cNvSpPr>
-            <a:spLocks noGrp="1"/>
-          </p:cNvSpPr>
-          <p:nvPr>
-            <p:ph idx="1"/>
-          </p:nvPr>
-        </p:nvSpPr>
-        <p:spPr/>
-        <p:txBody>
-          <a:bodyPr/>
-          <a:lstStyle/>
-          <a:p>
-            <a:pPr lvl="6"/>
-            <a:endParaRPr lang="en-US" dirty="0"/>
-          </a:p>
-        </p:txBody>
-      </p:sp>
-      <p:sp>
-        <p:nvSpPr>
           <p:cNvPr id="18" name="Rectangle 17"/>
           <p:cNvSpPr/>
           <p:nvPr/>
         </p:nvSpPr>
         <p:spPr>
           <a:xfrm>
-            <a:off x="2830708" y="2287049"/>
-            <a:ext cx="2248370" cy="208320"/>
-          </a:xfrm>
-          <a:prstGeom prst="rect">
-            <a:avLst/>
-          </a:prstGeom>
-        </p:spPr>
-        <p:style>
-          <a:lnRef idx="2">
-            <a:schemeClr val="accent1">
-              <a:shade val="50000"/>
-            </a:schemeClr>
-          </a:lnRef>
-          <a:fillRef idx="1">
-            <a:schemeClr val="accent1"/>
-          </a:fillRef>
-          <a:effectRef idx="0">
-            <a:schemeClr val="accent1"/>
-          </a:effectRef>
-          <a:fontRef idx="minor">
-            <a:schemeClr val="lt1"/>
-          </a:fontRef>
-        </p:style>
-        <p:txBody>
-          <a:bodyPr rtlCol="0" anchor="ctr"/>
-          <a:lstStyle/>
-          <a:p>
-            <a:pPr algn="ctr"/>
-            <a:r>
-              <a:rPr lang="en-US" sz="1400" dirty="0" smtClean="0"/>
-              <a:t>DATA COLLECTION</a:t>
-            </a:r>
-            <a:endParaRPr lang="en-US" sz="1400" dirty="0"/>
-          </a:p>
-        </p:txBody>
-      </p:sp>
-      <p:sp>
-        <p:nvSpPr>
-          <p:cNvPr id="19" name="Rectangle 18"/>
-          <p:cNvSpPr/>
-          <p:nvPr/>
-        </p:nvSpPr>
-        <p:spPr>
-          <a:xfrm>
-            <a:off x="3755387" y="2877027"/>
-            <a:ext cx="2248370" cy="208320"/>
-          </a:xfrm>
-          <a:prstGeom prst="rect">
-            <a:avLst/>
-          </a:prstGeom>
-        </p:spPr>
-        <p:style>
-          <a:lnRef idx="2">
-            <a:schemeClr val="accent1">
-              <a:shade val="50000"/>
-            </a:schemeClr>
-          </a:lnRef>
-          <a:fillRef idx="1">
-            <a:schemeClr val="accent1"/>
-          </a:fillRef>
-          <a:effectRef idx="0">
-            <a:schemeClr val="accent1"/>
-          </a:effectRef>
-          <a:fontRef idx="minor">
-            <a:schemeClr val="lt1"/>
-          </a:fontRef>
-        </p:style>
-        <p:txBody>
-          <a:bodyPr rtlCol="0" anchor="ctr"/>
-          <a:lstStyle/>
-          <a:p>
-            <a:pPr algn="ctr"/>
-            <a:r>
-              <a:rPr lang="en-US" sz="1400" dirty="0" smtClean="0"/>
-              <a:t>DATA PREPARATION</a:t>
-            </a:r>
-          </a:p>
-        </p:txBody>
-      </p:sp>
-      <p:sp>
-        <p:nvSpPr>
-          <p:cNvPr id="20" name="Rectangle 19"/>
-          <p:cNvSpPr/>
-          <p:nvPr/>
-        </p:nvSpPr>
-        <p:spPr>
-          <a:xfrm>
-            <a:off x="4530437" y="3467351"/>
-            <a:ext cx="2248370" cy="208320"/>
-          </a:xfrm>
-          <a:prstGeom prst="rect">
-            <a:avLst/>
-          </a:prstGeom>
-        </p:spPr>
-        <p:style>
-          <a:lnRef idx="2">
-            <a:schemeClr val="accent1">
-              <a:shade val="50000"/>
-            </a:schemeClr>
-          </a:lnRef>
-          <a:fillRef idx="1">
-            <a:schemeClr val="accent1"/>
-          </a:fillRef>
-          <a:effectRef idx="0">
-            <a:schemeClr val="accent1"/>
-          </a:effectRef>
-          <a:fontRef idx="minor">
-            <a:schemeClr val="lt1"/>
-          </a:fontRef>
-        </p:style>
-        <p:txBody>
-          <a:bodyPr rtlCol="0" anchor="ctr"/>
-          <a:lstStyle/>
-          <a:p>
-            <a:pPr algn="ctr"/>
-            <a:r>
-              <a:rPr lang="en-US" sz="1400" dirty="0" smtClean="0"/>
-              <a:t>CHOOSING A MODEL</a:t>
-            </a:r>
-            <a:endParaRPr lang="en-US" sz="1400" dirty="0"/>
-          </a:p>
-        </p:txBody>
-      </p:sp>
-      <p:sp>
-        <p:nvSpPr>
-          <p:cNvPr id="21" name="Rectangle 20"/>
-          <p:cNvSpPr/>
-          <p:nvPr/>
-        </p:nvSpPr>
-        <p:spPr>
-          <a:xfrm>
-            <a:off x="5485820" y="4059875"/>
-            <a:ext cx="2248370" cy="208320"/>
-          </a:xfrm>
-          <a:prstGeom prst="rect">
-            <a:avLst/>
-          </a:prstGeom>
-        </p:spPr>
-        <p:style>
-          <a:lnRef idx="2">
-            <a:schemeClr val="accent1">
-              <a:shade val="50000"/>
-            </a:schemeClr>
-          </a:lnRef>
-          <a:fillRef idx="1">
-            <a:schemeClr val="accent1"/>
-          </a:fillRef>
-          <a:effectRef idx="0">
-            <a:schemeClr val="accent1"/>
-          </a:effectRef>
-          <a:fontRef idx="minor">
-            <a:schemeClr val="lt1"/>
-          </a:fontRef>
-        </p:style>
-        <p:txBody>
-          <a:bodyPr rtlCol="0" anchor="ctr"/>
-          <a:lstStyle/>
-          <a:p>
-            <a:pPr algn="ctr"/>
-            <a:r>
-              <a:rPr lang="en-US" sz="1400" dirty="0" smtClean="0"/>
-              <a:t>TRAIN MODEL</a:t>
-            </a:r>
-            <a:endParaRPr lang="en-US" sz="1400" dirty="0"/>
-          </a:p>
-        </p:txBody>
-      </p:sp>
-      <p:sp>
-        <p:nvSpPr>
-          <p:cNvPr id="22" name="Rectangle 21"/>
-          <p:cNvSpPr/>
-          <p:nvPr/>
-        </p:nvSpPr>
-        <p:spPr>
-          <a:xfrm>
-            <a:off x="6245631" y="4692526"/>
-            <a:ext cx="2248370" cy="208320"/>
-          </a:xfrm>
-          <a:prstGeom prst="rect">
-            <a:avLst/>
-          </a:prstGeom>
-        </p:spPr>
-        <p:style>
-          <a:lnRef idx="2">
-            <a:schemeClr val="accent1">
-              <a:shade val="50000"/>
-            </a:schemeClr>
-          </a:lnRef>
-          <a:fillRef idx="1">
-            <a:schemeClr val="accent1"/>
-          </a:fillRef>
-          <a:effectRef idx="0">
-            <a:schemeClr val="accent1"/>
-          </a:effectRef>
-          <a:fontRef idx="minor">
-            <a:schemeClr val="lt1"/>
-          </a:fontRef>
-        </p:style>
-        <p:txBody>
-          <a:bodyPr rtlCol="0" anchor="ctr"/>
-          <a:lstStyle/>
-          <a:p>
-            <a:pPr algn="ctr"/>
-            <a:r>
-              <a:rPr lang="en-US" sz="1400" dirty="0" smtClean="0"/>
-              <a:t>EVALUATION</a:t>
-            </a:r>
-            <a:endParaRPr lang="en-US" sz="1400" dirty="0"/>
-          </a:p>
-        </p:txBody>
-      </p:sp>
-      <p:sp>
-        <p:nvSpPr>
-          <p:cNvPr id="23" name="Rectangle 22"/>
-          <p:cNvSpPr/>
-          <p:nvPr/>
-        </p:nvSpPr>
-        <p:spPr>
-          <a:xfrm>
-            <a:off x="7154489" y="5320379"/>
-            <a:ext cx="2248370" cy="208320"/>
-          </a:xfrm>
-          <a:prstGeom prst="rect">
-            <a:avLst/>
-          </a:prstGeom>
-        </p:spPr>
-        <p:style>
-          <a:lnRef idx="2">
-            <a:schemeClr val="accent1">
-              <a:shade val="50000"/>
-            </a:schemeClr>
-          </a:lnRef>
-          <a:fillRef idx="1">
-            <a:schemeClr val="accent1"/>
-          </a:fillRef>
-          <a:effectRef idx="0">
-            <a:schemeClr val="accent1"/>
-          </a:effectRef>
-          <a:fontRef idx="minor">
-            <a:schemeClr val="lt1"/>
-          </a:fontRef>
-        </p:style>
-        <p:txBody>
-          <a:bodyPr rtlCol="0" anchor="ctr"/>
-          <a:lstStyle/>
-          <a:p>
-            <a:pPr algn="ctr"/>
-            <a:r>
-              <a:rPr lang="en-US" sz="1400" dirty="0" smtClean="0"/>
-              <a:t>PARAMETER TUNING</a:t>
-            </a:r>
-            <a:endParaRPr lang="en-US" sz="1400" dirty="0"/>
-          </a:p>
-        </p:txBody>
-      </p:sp>
-      <p:sp>
-        <p:nvSpPr>
-          <p:cNvPr id="24" name="Rectangle 23"/>
-          <p:cNvSpPr/>
-          <p:nvPr/>
-        </p:nvSpPr>
-        <p:spPr>
-          <a:xfrm>
-            <a:off x="7974232" y="5893466"/>
-            <a:ext cx="2685818" cy="269805"/>
+            <a:off x="2830708" y="2095260"/>
+            <a:ext cx="2447876" cy="397563"/>
           </a:xfrm>
           <a:prstGeom prst="rect">
             <a:avLst/>
@@ -4763,7 +4480,11 @@
             <a:pPr algn="ctr"/>
             <a:r>
               <a:rPr lang="en-US" sz="1400" dirty="0" smtClean="0"/>
-              <a:t>PREDICTION</a:t>
+              <a:t>Prediction on real worl</a:t>
+            </a:r>
+            <a:r>
+              <a:rPr lang="en-US" sz="1400" dirty="0" smtClean="0"/>
+              <a:t>d data</a:t>
             </a:r>
             <a:endParaRPr lang="en-US" sz="1400" dirty="0"/>
           </a:p>
@@ -4771,16 +4492,16 @@
       </p:sp>
       <p:sp>
         <p:nvSpPr>
-          <p:cNvPr id="30" name="Curved Right Arrow 29"/>
+          <p:cNvPr id="19" name="Rectangle 18"/>
           <p:cNvSpPr/>
           <p:nvPr/>
         </p:nvSpPr>
         <p:spPr>
           <a:xfrm>
-            <a:off x="4049682" y="2561023"/>
-            <a:ext cx="399012" cy="248536"/>
+            <a:off x="3755387" y="2743200"/>
+            <a:ext cx="2248370" cy="342147"/>
           </a:xfrm>
-          <a:prstGeom prst="curvedRightArrow">
+          <a:prstGeom prst="rect">
             <a:avLst/>
           </a:prstGeom>
         </p:spPr>
@@ -4805,26 +4526,26 @@
           <a:lstStyle/>
           <a:p>
             <a:pPr algn="ctr"/>
-            <a:endParaRPr lang="en-US" sz="1400">
-              <a:solidFill>
-                <a:schemeClr val="tx1"/>
-              </a:solidFill>
-            </a:endParaRPr>
-          </a:p>
-        </p:txBody>
-      </p:sp>
-      <p:sp>
-        <p:nvSpPr>
-          <p:cNvPr id="37" name="Curved Right Arrow 36"/>
+            <a:r>
+              <a:rPr lang="en-US" sz="1400" dirty="0" smtClean="0"/>
+              <a:t>Parameter tuning</a:t>
+            </a:r>
+            <a:endParaRPr lang="en-US" sz="1400" dirty="0" smtClean="0"/>
+          </a:p>
+        </p:txBody>
+      </p:sp>
+      <p:sp>
+        <p:nvSpPr>
+          <p:cNvPr id="20" name="Rectangle 19"/>
           <p:cNvSpPr/>
           <p:nvPr/>
         </p:nvSpPr>
         <p:spPr>
           <a:xfrm>
-            <a:off x="4879572" y="3151347"/>
-            <a:ext cx="399012" cy="248536"/>
+            <a:off x="4530437" y="3333524"/>
+            <a:ext cx="2248370" cy="342147"/>
           </a:xfrm>
-          <a:prstGeom prst="curvedRightArrow">
+          <a:prstGeom prst="rect">
             <a:avLst/>
           </a:prstGeom>
         </p:spPr>
@@ -4849,26 +4570,26 @@
           <a:lstStyle/>
           <a:p>
             <a:pPr algn="ctr"/>
-            <a:endParaRPr lang="en-US" sz="1400">
-              <a:solidFill>
-                <a:schemeClr val="tx1"/>
-              </a:solidFill>
-            </a:endParaRPr>
-          </a:p>
-        </p:txBody>
-      </p:sp>
-      <p:sp>
-        <p:nvSpPr>
-          <p:cNvPr id="38" name="Curved Right Arrow 37"/>
+            <a:r>
+              <a:rPr lang="en-US" sz="1400" dirty="0" smtClean="0"/>
+              <a:t>Evaluation</a:t>
+            </a:r>
+            <a:endParaRPr lang="en-US" sz="1400" dirty="0"/>
+          </a:p>
+        </p:txBody>
+      </p:sp>
+      <p:sp>
+        <p:nvSpPr>
+          <p:cNvPr id="21" name="Rectangle 20"/>
           <p:cNvSpPr/>
           <p:nvPr/>
         </p:nvSpPr>
         <p:spPr>
           <a:xfrm>
-            <a:off x="5760722" y="3722956"/>
-            <a:ext cx="399012" cy="248536"/>
+            <a:off x="5485820" y="3926048"/>
+            <a:ext cx="2248370" cy="342147"/>
           </a:xfrm>
-          <a:prstGeom prst="curvedRightArrow">
+          <a:prstGeom prst="rect">
             <a:avLst/>
           </a:prstGeom>
         </p:spPr>
@@ -4893,26 +4614,26 @@
           <a:lstStyle/>
           <a:p>
             <a:pPr algn="ctr"/>
-            <a:endParaRPr lang="en-US" sz="1400">
-              <a:solidFill>
-                <a:schemeClr val="tx1"/>
-              </a:solidFill>
-            </a:endParaRPr>
-          </a:p>
-        </p:txBody>
-      </p:sp>
-      <p:sp>
-        <p:nvSpPr>
-          <p:cNvPr id="39" name="Curved Right Arrow 38"/>
+            <a:r>
+              <a:rPr lang="en-US" sz="1400" dirty="0" smtClean="0"/>
+              <a:t>Train Model</a:t>
+            </a:r>
+            <a:endParaRPr lang="en-US" sz="1400" dirty="0"/>
+          </a:p>
+        </p:txBody>
+      </p:sp>
+      <p:sp>
+        <p:nvSpPr>
+          <p:cNvPr id="22" name="Rectangle 21"/>
           <p:cNvSpPr/>
           <p:nvPr/>
         </p:nvSpPr>
         <p:spPr>
           <a:xfrm>
-            <a:off x="6610005" y="4349420"/>
-            <a:ext cx="399012" cy="248536"/>
+            <a:off x="6245631" y="4558699"/>
+            <a:ext cx="2248370" cy="342147"/>
           </a:xfrm>
-          <a:prstGeom prst="curvedRightArrow">
+          <a:prstGeom prst="rect">
             <a:avLst/>
           </a:prstGeom>
         </p:spPr>
@@ -4937,26 +4658,26 @@
           <a:lstStyle/>
           <a:p>
             <a:pPr algn="ctr"/>
-            <a:endParaRPr lang="en-US" sz="1400">
-              <a:solidFill>
-                <a:schemeClr val="tx1"/>
-              </a:solidFill>
-            </a:endParaRPr>
-          </a:p>
-        </p:txBody>
-      </p:sp>
-      <p:sp>
-        <p:nvSpPr>
-          <p:cNvPr id="41" name="Curved Right Arrow 40"/>
+            <a:r>
+              <a:rPr lang="en-US" sz="1400" dirty="0" smtClean="0"/>
+              <a:t>Choosing a model</a:t>
+            </a:r>
+            <a:endParaRPr lang="en-US" sz="1400" dirty="0"/>
+          </a:p>
+        </p:txBody>
+      </p:sp>
+      <p:sp>
+        <p:nvSpPr>
+          <p:cNvPr id="23" name="Rectangle 22"/>
           <p:cNvSpPr/>
           <p:nvPr/>
         </p:nvSpPr>
         <p:spPr>
           <a:xfrm>
-            <a:off x="7468990" y="4990618"/>
-            <a:ext cx="399012" cy="248536"/>
+            <a:off x="7154489" y="5186552"/>
+            <a:ext cx="2248370" cy="342147"/>
           </a:xfrm>
-          <a:prstGeom prst="curvedRightArrow">
+          <a:prstGeom prst="rect">
             <a:avLst/>
           </a:prstGeom>
         </p:spPr>
@@ -4981,28 +4702,31 @@
           <a:lstStyle/>
           <a:p>
             <a:pPr algn="ctr"/>
-            <a:endParaRPr lang="en-US" sz="1400">
-              <a:solidFill>
-                <a:schemeClr val="tx1"/>
-              </a:solidFill>
-            </a:endParaRPr>
-          </a:p>
-        </p:txBody>
-      </p:sp>
-      <p:sp>
-        <p:nvSpPr>
-          <p:cNvPr id="42" name="Curved Right Arrow 41"/>
+            <a:r>
+              <a:rPr lang="en-US" sz="1400" dirty="0" smtClean="0"/>
+              <a:t>Data Preparation</a:t>
+            </a:r>
+            <a:endParaRPr lang="en-US" sz="1400" dirty="0"/>
+          </a:p>
+        </p:txBody>
+      </p:sp>
+      <p:sp>
+        <p:nvSpPr>
+          <p:cNvPr id="24" name="Rectangle 23"/>
           <p:cNvSpPr/>
           <p:nvPr/>
         </p:nvSpPr>
         <p:spPr>
           <a:xfrm>
-            <a:off x="8382000" y="5618471"/>
-            <a:ext cx="411479" cy="261303"/>
+            <a:off x="7974232" y="5814405"/>
+            <a:ext cx="2685818" cy="348866"/>
           </a:xfrm>
-          <a:prstGeom prst="curvedRightArrow">
+          <a:prstGeom prst="rect">
             <a:avLst/>
           </a:prstGeom>
+          <a:solidFill>
+            <a:schemeClr val="accent1"/>
+          </a:solidFill>
         </p:spPr>
         <p:style>
           <a:lnRef idx="2">
@@ -5025,11 +4749,84 @@
           <a:lstStyle/>
           <a:p>
             <a:pPr algn="ctr"/>
-            <a:endParaRPr lang="en-US" sz="1400">
-              <a:solidFill>
-                <a:schemeClr val="tx1"/>
-              </a:solidFill>
-            </a:endParaRPr>
+            <a:r>
+              <a:rPr lang="en-US" sz="1400" dirty="0" smtClean="0"/>
+              <a:t>Dat</a:t>
+            </a:r>
+            <a:r>
+              <a:rPr lang="en-US" sz="1400" dirty="0" smtClean="0"/>
+              <a:t>a  Collection</a:t>
+            </a:r>
+            <a:endParaRPr lang="en-US" sz="1400" dirty="0"/>
+          </a:p>
+        </p:txBody>
+      </p:sp>
+      <p:sp>
+        <p:nvSpPr>
+          <p:cNvPr id="27" name="Content Placeholder 26"/>
+          <p:cNvSpPr>
+            <a:spLocks noGrp="1"/>
+          </p:cNvSpPr>
+          <p:nvPr>
+            <p:ph idx="1"/>
+          </p:nvPr>
+        </p:nvSpPr>
+        <p:spPr>
+          <a:xfrm>
+            <a:off x="1470536" y="2095260"/>
+            <a:ext cx="345348" cy="4212881"/>
+          </a:xfrm>
+          <a:prstGeom prst="upArrow">
+            <a:avLst/>
+          </a:prstGeom>
+          <a:gradFill>
+            <a:gsLst>
+              <a:gs pos="0">
+                <a:srgbClr val="92D050"/>
+              </a:gs>
+              <a:gs pos="74000">
+                <a:schemeClr val="accent1">
+                  <a:lumMod val="45000"/>
+                  <a:lumOff val="55000"/>
+                </a:schemeClr>
+              </a:gs>
+              <a:gs pos="83000">
+                <a:schemeClr val="accent1">
+                  <a:lumMod val="45000"/>
+                  <a:lumOff val="55000"/>
+                </a:schemeClr>
+              </a:gs>
+              <a:gs pos="100000">
+                <a:schemeClr val="accent1">
+                  <a:lumMod val="30000"/>
+                  <a:lumOff val="70000"/>
+                </a:schemeClr>
+              </a:gs>
+            </a:gsLst>
+            <a:lin ang="5400000" scaled="1"/>
+          </a:gradFill>
+        </p:spPr>
+        <p:style>
+          <a:lnRef idx="2">
+            <a:schemeClr val="accent1">
+              <a:shade val="50000"/>
+            </a:schemeClr>
+          </a:lnRef>
+          <a:fillRef idx="1">
+            <a:schemeClr val="accent1"/>
+          </a:fillRef>
+          <a:effectRef idx="0">
+            <a:schemeClr val="accent1"/>
+          </a:effectRef>
+          <a:fontRef idx="minor">
+            <a:schemeClr val="lt1"/>
+          </a:fontRef>
+        </p:style>
+        <p:txBody>
+          <a:bodyPr rtlCol="0" anchor="ctr"/>
+          <a:lstStyle/>
+          <a:p>
+            <a:endParaRPr lang="en-US" dirty="0"/>
           </a:p>
         </p:txBody>
       </p:sp>
